--- a/High School/Modern Electricity and Electronics/Unit 9 - Arduino builds/Section 3 - Lab 2 - Blink A LED/Assets/U9S3 - blink a led.pptx
+++ b/High School/Modern Electricity and Electronics/Unit 9 - Arduino builds/Section 3 - Lab 2 - Blink A LED/Assets/U9S3 - blink a led.pptx
@@ -5,10 +5,10 @@
     <p:sldMasterId id="2147483705" r:id="rId1"/>
   </p:sldMasterIdLst>
   <p:notesMasterIdLst>
-    <p:notesMasterId r:id="rId9"/>
+    <p:notesMasterId r:id="rId12"/>
   </p:notesMasterIdLst>
   <p:handoutMasterIdLst>
-    <p:handoutMasterId r:id="rId10"/>
+    <p:handoutMasterId r:id="rId13"/>
   </p:handoutMasterIdLst>
   <p:sldIdLst>
     <p:sldId id="268" r:id="rId2"/>
@@ -18,6 +18,9 @@
     <p:sldId id="279" r:id="rId6"/>
     <p:sldId id="280" r:id="rId7"/>
     <p:sldId id="281" r:id="rId8"/>
+    <p:sldId id="282" r:id="rId9"/>
+    <p:sldId id="283" r:id="rId10"/>
+    <p:sldId id="284" r:id="rId11"/>
   </p:sldIdLst>
   <p:sldSz cx="12192000" cy="6858000"/>
   <p:notesSz cx="6858000" cy="9144000"/>
@@ -220,7 +223,7 @@
           <a:p>
             <a:fld id="{6AC4FB8F-ED15-48AB-97BD-17129D4E699D}" type="datetimeFigureOut">
               <a:rPr lang="en-US" smtClean="0"/>
-              <a:t>2/26/19</a:t>
+              <a:t>2/28/19</a:t>
             </a:fld>
             <a:endParaRPr lang="en-US" dirty="0"/>
           </a:p>
@@ -385,7 +388,7 @@
           <a:p>
             <a:fld id="{BBC9D437-CD83-4825-AD0D-5E7B341BC79B}" type="datetimeFigureOut">
               <a:rPr lang="en-US" smtClean="0"/>
-              <a:t>2/26/19</a:t>
+              <a:t>2/28/19</a:t>
             </a:fld>
             <a:endParaRPr lang="en-US" dirty="0"/>
           </a:p>
@@ -878,7 +881,7 @@
           <a:p>
             <a:fld id="{85AB7CBB-843F-464A-A764-71D6ADC27CFA}" type="datetime1">
               <a:rPr lang="en-US" smtClean="0"/>
-              <a:t>2/26/19</a:t>
+              <a:t>2/28/19</a:t>
             </a:fld>
             <a:endParaRPr lang="en-US" dirty="0"/>
           </a:p>
@@ -1103,7 +1106,7 @@
           <a:p>
             <a:fld id="{CBEFC03D-3A1F-4813-9337-02411FCC3A9A}" type="datetime1">
               <a:rPr lang="en-US" smtClean="0"/>
-              <a:t>2/26/19</a:t>
+              <a:t>2/28/19</a:t>
             </a:fld>
             <a:endParaRPr lang="en-US" dirty="0"/>
           </a:p>
@@ -1375,7 +1378,7 @@
           <a:p>
             <a:fld id="{3D638F79-DFA0-4C26-9553-23A017B69AB6}" type="datetime1">
               <a:rPr lang="en-US" smtClean="0"/>
-              <a:t>2/26/19</a:t>
+              <a:t>2/28/19</a:t>
             </a:fld>
             <a:endParaRPr lang="en-US" dirty="0"/>
           </a:p>
@@ -1486,7 +1489,7 @@
           <a:p>
             <a:fld id="{AA615CA6-EC4D-4728-8AA6-534BE7E9B67C}" type="datetime1">
               <a:rPr lang="en-US" smtClean="0"/>
-              <a:t>2/26/19</a:t>
+              <a:t>2/28/19</a:t>
             </a:fld>
             <a:endParaRPr lang="en-US" dirty="0"/>
           </a:p>
@@ -1671,7 +1674,7 @@
           <a:p>
             <a:fld id="{A70B34E7-E1D9-4FBF-A1A0-4009669A00BF}" type="datetime1">
               <a:rPr lang="en-US" smtClean="0"/>
-              <a:t>2/26/19</a:t>
+              <a:t>2/28/19</a:t>
             </a:fld>
             <a:endParaRPr lang="en-US" dirty="0"/>
           </a:p>
@@ -2031,7 +2034,7 @@
           <a:p>
             <a:fld id="{20EBB0C4-6273-4C6E-B9BD-2EDC30F1CD52}" type="datetimeFigureOut">
               <a:rPr lang="en-US" smtClean="0"/>
-              <a:t>2/26/19</a:t>
+              <a:t>2/28/19</a:t>
             </a:fld>
             <a:endParaRPr lang="en-US" dirty="0"/>
           </a:p>
@@ -2318,7 +2321,7 @@
           <a:p>
             <a:fld id="{7579E8B6-2F47-420B-83EA-EB2285D13EC9}" type="datetime1">
               <a:rPr lang="en-US" smtClean="0"/>
-              <a:t>2/26/19</a:t>
+              <a:t>2/28/19</a:t>
             </a:fld>
             <a:endParaRPr lang="en-US" dirty="0"/>
           </a:p>
@@ -2713,7 +2716,7 @@
           <a:p>
             <a:fld id="{2304803D-B10E-4B90-8456-A0E05393E233}" type="datetime1">
               <a:rPr lang="en-US" smtClean="0"/>
-              <a:t>2/26/19</a:t>
+              <a:t>2/28/19</a:t>
             </a:fld>
             <a:endParaRPr lang="en-US" dirty="0"/>
           </a:p>
@@ -2847,7 +2850,7 @@
           <a:p>
             <a:fld id="{CCE1E62F-6CCE-4064-96C2-2084AF883904}" type="datetime1">
               <a:rPr lang="en-US" smtClean="0"/>
-              <a:t>2/26/19</a:t>
+              <a:t>2/28/19</a:t>
             </a:fld>
             <a:endParaRPr lang="en-US" dirty="0"/>
           </a:p>
@@ -3034,7 +3037,7 @@
           <a:p>
             <a:fld id="{AA615CA6-EC4D-4728-8AA6-534BE7E9B67C}" type="datetime1">
               <a:rPr lang="en-US" smtClean="0"/>
-              <a:t>2/26/19</a:t>
+              <a:t>2/28/19</a:t>
             </a:fld>
             <a:endParaRPr lang="en-US" dirty="0"/>
           </a:p>
@@ -3404,7 +3407,7 @@
           <a:p>
             <a:fld id="{A6139942-0A2E-443A-842F-D6DE74360370}" type="datetime1">
               <a:rPr lang="en-US" smtClean="0"/>
-              <a:t>2/26/19</a:t>
+              <a:t>2/28/19</a:t>
             </a:fld>
             <a:endParaRPr lang="en-US" dirty="0"/>
           </a:p>
@@ -3797,7 +3800,7 @@
           <a:p>
             <a:fld id="{C9CAD897-D46E-4AD2-BD9B-49DD3E640873}" type="datetimeFigureOut">
               <a:rPr lang="en-US" smtClean="0"/>
-              <a:t>2/26/19</a:t>
+              <a:t>2/28/19</a:t>
             </a:fld>
             <a:endParaRPr lang="en-US" dirty="0"/>
           </a:p>
@@ -4148,7 +4151,7 @@
           <a:p>
             <a:fld id="{3F138946-C5C1-4A11-BA69-F12F43F8A94B}" type="datetime1">
               <a:rPr lang="en-US" smtClean="0"/>
-              <a:t>2/26/19</a:t>
+              <a:t>2/28/19</a:t>
             </a:fld>
             <a:endParaRPr lang="en-US" dirty="0"/>
           </a:p>
@@ -4820,6 +4823,326 @@
 </p:sld>
 </file>
 
+<file path=ppt/slides/slide10.xml><?xml version="1.0" encoding="utf-8"?>
+<p:sld xmlns:a="http://schemas.openxmlformats.org/drawingml/2006/main" xmlns:r="http://schemas.openxmlformats.org/officeDocument/2006/relationships" xmlns:p="http://schemas.openxmlformats.org/presentationml/2006/main">
+  <p:cSld>
+    <p:spTree>
+      <p:nvGrpSpPr>
+        <p:cNvPr id="1" name=""/>
+        <p:cNvGrpSpPr/>
+        <p:nvPr/>
+      </p:nvGrpSpPr>
+      <p:grpSpPr>
+        <a:xfrm>
+          <a:off x="0" y="0"/>
+          <a:ext cx="0" cy="0"/>
+          <a:chOff x="0" y="0"/>
+          <a:chExt cx="0" cy="0"/>
+        </a:xfrm>
+      </p:grpSpPr>
+      <p:sp>
+        <p:nvSpPr>
+          <p:cNvPr id="2" name="Title 1">
+            <a:extLst>
+              <a:ext uri="{FF2B5EF4-FFF2-40B4-BE49-F238E27FC236}">
+                <a16:creationId xmlns:a16="http://schemas.microsoft.com/office/drawing/2014/main" id="{0BECC37F-2BEA-C44C-991E-1B584962063F}"/>
+              </a:ext>
+            </a:extLst>
+          </p:cNvPr>
+          <p:cNvSpPr>
+            <a:spLocks noGrp="1"/>
+          </p:cNvSpPr>
+          <p:nvPr>
+            <p:ph type="title"/>
+          </p:nvPr>
+        </p:nvSpPr>
+        <p:spPr/>
+        <p:txBody>
+          <a:bodyPr/>
+          <a:lstStyle/>
+          <a:p>
+            <a:r>
+              <a:rPr lang="en-US" dirty="0"/>
+              <a:t>Blink Multiple LED Code Example</a:t>
+            </a:r>
+          </a:p>
+        </p:txBody>
+      </p:sp>
+      <p:sp>
+        <p:nvSpPr>
+          <p:cNvPr id="3" name="Content Placeholder 2">
+            <a:extLst>
+              <a:ext uri="{FF2B5EF4-FFF2-40B4-BE49-F238E27FC236}">
+                <a16:creationId xmlns:a16="http://schemas.microsoft.com/office/drawing/2014/main" id="{92DD640D-B683-7C43-9598-29A7E145F9B1}"/>
+              </a:ext>
+            </a:extLst>
+          </p:cNvPr>
+          <p:cNvSpPr>
+            <a:spLocks noGrp="1"/>
+          </p:cNvSpPr>
+          <p:nvPr>
+            <p:ph idx="1"/>
+          </p:nvPr>
+        </p:nvSpPr>
+        <p:spPr/>
+        <p:txBody>
+          <a:bodyPr>
+            <a:noAutofit/>
+          </a:bodyPr>
+          <a:lstStyle/>
+          <a:p>
+            <a:pPr marL="0" indent="0">
+              <a:lnSpc>
+                <a:spcPct val="120000"/>
+              </a:lnSpc>
+              <a:buNone/>
+            </a:pPr>
+            <a:r>
+              <a:rPr lang="en-US" sz="900" dirty="0"/>
+              <a:t>// the loop routine runs over and over again FOREVER:</a:t>
+            </a:r>
+          </a:p>
+          <a:p>
+            <a:pPr marL="0" indent="0">
+              <a:lnSpc>
+                <a:spcPct val="100000"/>
+              </a:lnSpc>
+              <a:spcBef>
+                <a:spcPts val="0"/>
+              </a:spcBef>
+              <a:spcAft>
+                <a:spcPts val="0"/>
+              </a:spcAft>
+              <a:buNone/>
+            </a:pPr>
+            <a:r>
+              <a:rPr lang="en-US" sz="1600" dirty="0"/>
+              <a:t>void loop() {</a:t>
+            </a:r>
+            <a:br>
+              <a:rPr lang="en-US" sz="1600" dirty="0"/>
+            </a:br>
+            <a:r>
+              <a:rPr lang="en-US" sz="1600" dirty="0" err="1"/>
+              <a:t>digitalWrite</a:t>
+            </a:r>
+            <a:r>
+              <a:rPr lang="en-US" sz="1600" dirty="0"/>
+              <a:t>(led, HIGH);</a:t>
+            </a:r>
+          </a:p>
+          <a:p>
+            <a:pPr marL="0" indent="0">
+              <a:lnSpc>
+                <a:spcPct val="100000"/>
+              </a:lnSpc>
+              <a:spcBef>
+                <a:spcPts val="0"/>
+              </a:spcBef>
+              <a:spcAft>
+                <a:spcPts val="0"/>
+              </a:spcAft>
+              <a:buNone/>
+            </a:pPr>
+            <a:r>
+              <a:rPr lang="en-US" sz="1600" dirty="0"/>
+              <a:t>delay(100); </a:t>
+            </a:r>
+          </a:p>
+          <a:p>
+            <a:pPr marL="0" indent="0">
+              <a:lnSpc>
+                <a:spcPct val="100000"/>
+              </a:lnSpc>
+              <a:spcBef>
+                <a:spcPts val="0"/>
+              </a:spcBef>
+              <a:spcAft>
+                <a:spcPts val="0"/>
+              </a:spcAft>
+              <a:buNone/>
+            </a:pPr>
+            <a:r>
+              <a:rPr lang="en-US" sz="1600" dirty="0" err="1"/>
+              <a:t>digitalWrite</a:t>
+            </a:r>
+            <a:r>
+              <a:rPr lang="en-US" sz="1600" dirty="0"/>
+              <a:t>(led, LOW); </a:t>
+            </a:r>
+            <a:br>
+              <a:rPr lang="en-US" sz="1600" dirty="0"/>
+            </a:br>
+            <a:r>
+              <a:rPr lang="en-US" sz="1600" dirty="0"/>
+              <a:t>delay(100); </a:t>
+            </a:r>
+            <a:br>
+              <a:rPr lang="en-US" sz="1600" dirty="0"/>
+            </a:br>
+            <a:r>
+              <a:rPr lang="en-US" sz="1600" dirty="0"/>
+              <a:t>{</a:t>
+            </a:r>
+            <a:r>
+              <a:rPr lang="en-US" sz="1600" dirty="0" err="1"/>
+              <a:t>digitalWrite</a:t>
+            </a:r>
+            <a:r>
+              <a:rPr lang="en-US" sz="1600" dirty="0"/>
+              <a:t>(led2, HIGH);</a:t>
+            </a:r>
+            <a:br>
+              <a:rPr lang="en-US" sz="1600" dirty="0"/>
+            </a:br>
+            <a:r>
+              <a:rPr lang="en-US" sz="1600" dirty="0"/>
+              <a:t>delay(100);</a:t>
+            </a:r>
+            <a:br>
+              <a:rPr lang="en-US" sz="1600" dirty="0"/>
+            </a:br>
+            <a:r>
+              <a:rPr lang="en-US" sz="1600" dirty="0" err="1"/>
+              <a:t>digitalWrite</a:t>
+            </a:r>
+            <a:r>
+              <a:rPr lang="en-US" sz="1600" dirty="0"/>
+              <a:t>(led2, LOW);</a:t>
+            </a:r>
+            <a:br>
+              <a:rPr lang="en-US" sz="1600" dirty="0"/>
+            </a:br>
+            <a:r>
+              <a:rPr lang="en-US" sz="1600" dirty="0"/>
+              <a:t>delay(100);}</a:t>
+            </a:r>
+            <a:br>
+              <a:rPr lang="en-US" sz="1600" dirty="0"/>
+            </a:br>
+            <a:r>
+              <a:rPr lang="en-US" sz="1600" dirty="0"/>
+              <a:t>{</a:t>
+            </a:r>
+            <a:r>
+              <a:rPr lang="en-US" sz="1600" dirty="0" err="1"/>
+              <a:t>digitalWrite</a:t>
+            </a:r>
+            <a:r>
+              <a:rPr lang="en-US" sz="1600" dirty="0"/>
+              <a:t>(led3, HIGH);</a:t>
+            </a:r>
+            <a:br>
+              <a:rPr lang="en-US" sz="1600" dirty="0"/>
+            </a:br>
+            <a:r>
+              <a:rPr lang="en-US" sz="1600" dirty="0"/>
+              <a:t>delay(100);</a:t>
+            </a:r>
+            <a:br>
+              <a:rPr lang="en-US" sz="1600" dirty="0"/>
+            </a:br>
+            <a:r>
+              <a:rPr lang="en-US" sz="1600" dirty="0" err="1"/>
+              <a:t>digitalWrite</a:t>
+            </a:r>
+            <a:r>
+              <a:rPr lang="en-US" sz="1600" dirty="0"/>
+              <a:t>(led3, LOW);</a:t>
+            </a:r>
+            <a:br>
+              <a:rPr lang="en-US" sz="1600" dirty="0"/>
+            </a:br>
+            <a:r>
+              <a:rPr lang="en-US" sz="1600" dirty="0"/>
+              <a:t>delay(100);} </a:t>
+            </a:r>
+            <a:br>
+              <a:rPr lang="en-US" sz="1600" dirty="0"/>
+            </a:br>
+            <a:r>
+              <a:rPr lang="en-US" sz="1600" dirty="0"/>
+              <a:t>}</a:t>
+            </a:r>
+          </a:p>
+          <a:p>
+            <a:pPr marL="0" indent="0">
+              <a:lnSpc>
+                <a:spcPct val="120000"/>
+              </a:lnSpc>
+              <a:buNone/>
+            </a:pPr>
+            <a:r>
+              <a:rPr lang="en-US" sz="900" dirty="0"/>
+              <a:t>// END OF CODE</a:t>
+            </a:r>
+            <a:br>
+              <a:rPr lang="en-US" sz="1600" dirty="0"/>
+            </a:br>
+            <a:br>
+              <a:rPr lang="en-US" sz="1600" dirty="0"/>
+            </a:br>
+            <a:br>
+              <a:rPr lang="en-US" sz="900" dirty="0"/>
+            </a:br>
+            <a:endParaRPr lang="en-US" sz="900" dirty="0"/>
+          </a:p>
+        </p:txBody>
+      </p:sp>
+      <p:sp>
+        <p:nvSpPr>
+          <p:cNvPr id="4" name="Footer Placeholder 3">
+            <a:extLst>
+              <a:ext uri="{FF2B5EF4-FFF2-40B4-BE49-F238E27FC236}">
+                <a16:creationId xmlns:a16="http://schemas.microsoft.com/office/drawing/2014/main" id="{6554A1B5-3351-0C42-9B2F-39C54FF9E354}"/>
+              </a:ext>
+            </a:extLst>
+          </p:cNvPr>
+          <p:cNvSpPr>
+            <a:spLocks noGrp="1"/>
+          </p:cNvSpPr>
+          <p:nvPr>
+            <p:ph type="ftr" sz="quarter" idx="11"/>
+          </p:nvPr>
+        </p:nvSpPr>
+        <p:spPr/>
+        <p:txBody>
+          <a:bodyPr/>
+          <a:lstStyle/>
+          <a:p>
+            <a:r>
+              <a:rPr lang="en-US"/>
+              <a:t>Add a footer</a:t>
+            </a:r>
+            <a:endParaRPr lang="en-US" dirty="0"/>
+          </a:p>
+        </p:txBody>
+      </p:sp>
+    </p:spTree>
+    <p:extLst>
+      <p:ext uri="{BB962C8B-B14F-4D97-AF65-F5344CB8AC3E}">
+        <p14:creationId xmlns:p14="http://schemas.microsoft.com/office/powerpoint/2010/main" val="1135267582"/>
+      </p:ext>
+    </p:extLst>
+  </p:cSld>
+  <p:clrMapOvr>
+    <a:masterClrMapping/>
+  </p:clrMapOvr>
+  <mc:AlternateContent xmlns:mc="http://schemas.openxmlformats.org/markup-compatibility/2006" xmlns:p14="http://schemas.microsoft.com/office/powerpoint/2010/main">
+    <mc:Choice Requires="p14">
+      <p:transition spd="med" p14:dur="700">
+        <p:fade/>
+      </p:transition>
+    </mc:Choice>
+    <mc:Fallback xmlns="">
+      <p:transition spd="med">
+        <p:fade/>
+      </p:transition>
+    </mc:Fallback>
+  </mc:AlternateContent>
+</p:sld>
+</file>
+
 <file path=ppt/slides/slide2.xml><?xml version="1.0" encoding="utf-8"?>
 <p:sld xmlns:a="http://schemas.openxmlformats.org/drawingml/2006/main" xmlns:r="http://schemas.openxmlformats.org/officeDocument/2006/relationships" xmlns:p="http://schemas.openxmlformats.org/presentationml/2006/main">
   <p:cSld>
@@ -6458,6 +6781,398 @@
     <p:extLst>
       <p:ext uri="{BB962C8B-B14F-4D97-AF65-F5344CB8AC3E}">
         <p14:creationId xmlns:p14="http://schemas.microsoft.com/office/powerpoint/2010/main" val="2368733335"/>
+      </p:ext>
+    </p:extLst>
+  </p:cSld>
+  <p:clrMapOvr>
+    <a:masterClrMapping/>
+  </p:clrMapOvr>
+  <mc:AlternateContent xmlns:mc="http://schemas.openxmlformats.org/markup-compatibility/2006" xmlns:p14="http://schemas.microsoft.com/office/powerpoint/2010/main">
+    <mc:Choice Requires="p14">
+      <p:transition spd="med" p14:dur="700">
+        <p:fade/>
+      </p:transition>
+    </mc:Choice>
+    <mc:Fallback xmlns="">
+      <p:transition spd="med">
+        <p:fade/>
+      </p:transition>
+    </mc:Fallback>
+  </mc:AlternateContent>
+</p:sld>
+</file>
+
+<file path=ppt/slides/slide8.xml><?xml version="1.0" encoding="utf-8"?>
+<p:sld xmlns:a="http://schemas.openxmlformats.org/drawingml/2006/main" xmlns:r="http://schemas.openxmlformats.org/officeDocument/2006/relationships" xmlns:p="http://schemas.openxmlformats.org/presentationml/2006/main">
+  <p:cSld>
+    <p:spTree>
+      <p:nvGrpSpPr>
+        <p:cNvPr id="1" name=""/>
+        <p:cNvGrpSpPr/>
+        <p:nvPr/>
+      </p:nvGrpSpPr>
+      <p:grpSpPr>
+        <a:xfrm>
+          <a:off x="0" y="0"/>
+          <a:ext cx="0" cy="0"/>
+          <a:chOff x="0" y="0"/>
+          <a:chExt cx="0" cy="0"/>
+        </a:xfrm>
+      </p:grpSpPr>
+      <p:sp>
+        <p:nvSpPr>
+          <p:cNvPr id="2" name="Title 1">
+            <a:extLst>
+              <a:ext uri="{FF2B5EF4-FFF2-40B4-BE49-F238E27FC236}">
+                <a16:creationId xmlns:a16="http://schemas.microsoft.com/office/drawing/2014/main" id="{0BECC37F-2BEA-C44C-991E-1B584962063F}"/>
+              </a:ext>
+            </a:extLst>
+          </p:cNvPr>
+          <p:cNvSpPr>
+            <a:spLocks noGrp="1"/>
+          </p:cNvSpPr>
+          <p:nvPr>
+            <p:ph type="title"/>
+          </p:nvPr>
+        </p:nvSpPr>
+        <p:spPr/>
+        <p:txBody>
+          <a:bodyPr/>
+          <a:lstStyle/>
+          <a:p>
+            <a:r>
+              <a:rPr lang="en-US" dirty="0"/>
+              <a:t>Blink Multiple LED Code Example</a:t>
+            </a:r>
+          </a:p>
+        </p:txBody>
+      </p:sp>
+      <p:sp>
+        <p:nvSpPr>
+          <p:cNvPr id="3" name="Content Placeholder 2">
+            <a:extLst>
+              <a:ext uri="{FF2B5EF4-FFF2-40B4-BE49-F238E27FC236}">
+                <a16:creationId xmlns:a16="http://schemas.microsoft.com/office/drawing/2014/main" id="{92DD640D-B683-7C43-9598-29A7E145F9B1}"/>
+              </a:ext>
+            </a:extLst>
+          </p:cNvPr>
+          <p:cNvSpPr>
+            <a:spLocks noGrp="1"/>
+          </p:cNvSpPr>
+          <p:nvPr>
+            <p:ph idx="1"/>
+          </p:nvPr>
+        </p:nvSpPr>
+        <p:spPr/>
+        <p:txBody>
+          <a:bodyPr>
+            <a:normAutofit lnSpcReduction="10000"/>
+          </a:bodyPr>
+          <a:lstStyle/>
+          <a:p>
+            <a:endParaRPr lang="en-US" sz="4400" dirty="0"/>
+          </a:p>
+          <a:p>
+            <a:r>
+              <a:rPr lang="en-US" sz="4400" dirty="0"/>
+              <a:t>//START OF CODE</a:t>
+            </a:r>
+            <a:br>
+              <a:rPr lang="en-US" sz="4400" dirty="0"/>
+            </a:br>
+            <a:endParaRPr lang="en-US" sz="4400" dirty="0"/>
+          </a:p>
+          <a:p>
+            <a:r>
+              <a:rPr lang="en-US" sz="4400" dirty="0" err="1"/>
+              <a:t>int</a:t>
+            </a:r>
+            <a:r>
+              <a:rPr lang="en-US" sz="4400" dirty="0"/>
+              <a:t> led = 13;</a:t>
+            </a:r>
+            <a:br>
+              <a:rPr lang="en-US" sz="4400" dirty="0"/>
+            </a:br>
+            <a:r>
+              <a:rPr lang="en-US" sz="4400" dirty="0" err="1"/>
+              <a:t>int</a:t>
+            </a:r>
+            <a:r>
+              <a:rPr lang="en-US" sz="4400" dirty="0"/>
+              <a:t> led2 = 12;</a:t>
+            </a:r>
+            <a:br>
+              <a:rPr lang="en-US" sz="4400" dirty="0"/>
+            </a:br>
+            <a:r>
+              <a:rPr lang="en-US" sz="4400" dirty="0" err="1"/>
+              <a:t>int</a:t>
+            </a:r>
+            <a:r>
+              <a:rPr lang="en-US" sz="4400" dirty="0"/>
+              <a:t> led3 = 11;</a:t>
+            </a:r>
+            <a:br>
+              <a:rPr lang="en-US" dirty="0"/>
+            </a:br>
+            <a:endParaRPr lang="en-US" dirty="0"/>
+          </a:p>
+        </p:txBody>
+      </p:sp>
+      <p:sp>
+        <p:nvSpPr>
+          <p:cNvPr id="4" name="Footer Placeholder 3">
+            <a:extLst>
+              <a:ext uri="{FF2B5EF4-FFF2-40B4-BE49-F238E27FC236}">
+                <a16:creationId xmlns:a16="http://schemas.microsoft.com/office/drawing/2014/main" id="{6554A1B5-3351-0C42-9B2F-39C54FF9E354}"/>
+              </a:ext>
+            </a:extLst>
+          </p:cNvPr>
+          <p:cNvSpPr>
+            <a:spLocks noGrp="1"/>
+          </p:cNvSpPr>
+          <p:nvPr>
+            <p:ph type="ftr" sz="quarter" idx="11"/>
+          </p:nvPr>
+        </p:nvSpPr>
+        <p:spPr/>
+        <p:txBody>
+          <a:bodyPr/>
+          <a:lstStyle/>
+          <a:p>
+            <a:r>
+              <a:rPr lang="en-US"/>
+              <a:t>Add a footer</a:t>
+            </a:r>
+            <a:endParaRPr lang="en-US" dirty="0"/>
+          </a:p>
+        </p:txBody>
+      </p:sp>
+    </p:spTree>
+    <p:extLst>
+      <p:ext uri="{BB962C8B-B14F-4D97-AF65-F5344CB8AC3E}">
+        <p14:creationId xmlns:p14="http://schemas.microsoft.com/office/powerpoint/2010/main" val="4004602582"/>
+      </p:ext>
+    </p:extLst>
+  </p:cSld>
+  <p:clrMapOvr>
+    <a:masterClrMapping/>
+  </p:clrMapOvr>
+  <mc:AlternateContent xmlns:mc="http://schemas.openxmlformats.org/markup-compatibility/2006" xmlns:p14="http://schemas.microsoft.com/office/powerpoint/2010/main">
+    <mc:Choice Requires="p14">
+      <p:transition spd="med" p14:dur="700">
+        <p:fade/>
+      </p:transition>
+    </mc:Choice>
+    <mc:Fallback xmlns="">
+      <p:transition spd="med">
+        <p:fade/>
+      </p:transition>
+    </mc:Fallback>
+  </mc:AlternateContent>
+</p:sld>
+</file>
+
+<file path=ppt/slides/slide9.xml><?xml version="1.0" encoding="utf-8"?>
+<p:sld xmlns:a="http://schemas.openxmlformats.org/drawingml/2006/main" xmlns:r="http://schemas.openxmlformats.org/officeDocument/2006/relationships" xmlns:p="http://schemas.openxmlformats.org/presentationml/2006/main">
+  <p:cSld>
+    <p:spTree>
+      <p:nvGrpSpPr>
+        <p:cNvPr id="1" name=""/>
+        <p:cNvGrpSpPr/>
+        <p:nvPr/>
+      </p:nvGrpSpPr>
+      <p:grpSpPr>
+        <a:xfrm>
+          <a:off x="0" y="0"/>
+          <a:ext cx="0" cy="0"/>
+          <a:chOff x="0" y="0"/>
+          <a:chExt cx="0" cy="0"/>
+        </a:xfrm>
+      </p:grpSpPr>
+      <p:sp>
+        <p:nvSpPr>
+          <p:cNvPr id="2" name="Title 1">
+            <a:extLst>
+              <a:ext uri="{FF2B5EF4-FFF2-40B4-BE49-F238E27FC236}">
+                <a16:creationId xmlns:a16="http://schemas.microsoft.com/office/drawing/2014/main" id="{0BECC37F-2BEA-C44C-991E-1B584962063F}"/>
+              </a:ext>
+            </a:extLst>
+          </p:cNvPr>
+          <p:cNvSpPr>
+            <a:spLocks noGrp="1"/>
+          </p:cNvSpPr>
+          <p:nvPr>
+            <p:ph type="title"/>
+          </p:nvPr>
+        </p:nvSpPr>
+        <p:spPr/>
+        <p:txBody>
+          <a:bodyPr/>
+          <a:lstStyle/>
+          <a:p>
+            <a:r>
+              <a:rPr lang="en-US" dirty="0"/>
+              <a:t>Blink Multiple LED Code Example</a:t>
+            </a:r>
+          </a:p>
+        </p:txBody>
+      </p:sp>
+      <p:sp>
+        <p:nvSpPr>
+          <p:cNvPr id="3" name="Content Placeholder 2">
+            <a:extLst>
+              <a:ext uri="{FF2B5EF4-FFF2-40B4-BE49-F238E27FC236}">
+                <a16:creationId xmlns:a16="http://schemas.microsoft.com/office/drawing/2014/main" id="{92DD640D-B683-7C43-9598-29A7E145F9B1}"/>
+              </a:ext>
+            </a:extLst>
+          </p:cNvPr>
+          <p:cNvSpPr>
+            <a:spLocks noGrp="1"/>
+          </p:cNvSpPr>
+          <p:nvPr>
+            <p:ph idx="1"/>
+          </p:nvPr>
+        </p:nvSpPr>
+        <p:spPr/>
+        <p:txBody>
+          <a:bodyPr>
+            <a:normAutofit fontScale="32500" lnSpcReduction="20000"/>
+          </a:bodyPr>
+          <a:lstStyle/>
+          <a:p>
+            <a:pPr marL="0" indent="0">
+              <a:buNone/>
+            </a:pPr>
+            <a:br>
+              <a:rPr lang="en-US" dirty="0"/>
+            </a:br>
+            <a:br>
+              <a:rPr lang="en-US" sz="4400" dirty="0"/>
+            </a:br>
+            <a:r>
+              <a:rPr lang="en-US" sz="7400" dirty="0"/>
+              <a:t>// the setup routine runs once when you press reset:</a:t>
+            </a:r>
+            <a:br>
+              <a:rPr lang="en-US" sz="7400" dirty="0"/>
+            </a:br>
+            <a:endParaRPr lang="en-US" sz="7400" dirty="0"/>
+          </a:p>
+          <a:p>
+            <a:pPr marL="0" indent="0">
+              <a:buNone/>
+            </a:pPr>
+            <a:r>
+              <a:rPr lang="en-US" sz="7400" dirty="0"/>
+              <a:t>void setup() { </a:t>
+            </a:r>
+            <a:br>
+              <a:rPr lang="en-US" sz="7400" dirty="0"/>
+            </a:br>
+            <a:endParaRPr lang="en-US" sz="7400" dirty="0"/>
+          </a:p>
+          <a:p>
+            <a:pPr marL="0" indent="0">
+              <a:buNone/>
+            </a:pPr>
+            <a:r>
+              <a:rPr lang="en-US" sz="7400" dirty="0"/>
+              <a:t>// initialize the digital pin as an output.</a:t>
+            </a:r>
+            <a:br>
+              <a:rPr lang="en-US" sz="7400" dirty="0"/>
+            </a:br>
+            <a:endParaRPr lang="en-US" sz="7400" dirty="0"/>
+          </a:p>
+          <a:p>
+            <a:pPr marL="0" indent="0">
+              <a:buNone/>
+            </a:pPr>
+            <a:r>
+              <a:rPr lang="en-US" sz="7400" dirty="0" err="1"/>
+              <a:t>pinMode</a:t>
+            </a:r>
+            <a:r>
+              <a:rPr lang="en-US" sz="7400" dirty="0"/>
+              <a:t>(led, OUTPUT);</a:t>
+            </a:r>
+            <a:br>
+              <a:rPr lang="en-US" sz="7400" dirty="0"/>
+            </a:br>
+            <a:r>
+              <a:rPr lang="en-US" sz="7400" dirty="0" err="1"/>
+              <a:t>pinMode</a:t>
+            </a:r>
+            <a:r>
+              <a:rPr lang="en-US" sz="7400" dirty="0"/>
+              <a:t>(led2, OUTPUT);</a:t>
+            </a:r>
+            <a:br>
+              <a:rPr lang="en-US" sz="7400" dirty="0"/>
+            </a:br>
+            <a:r>
+              <a:rPr lang="en-US" sz="7400" dirty="0" err="1"/>
+              <a:t>pinMode</a:t>
+            </a:r>
+            <a:r>
+              <a:rPr lang="en-US" sz="7400" dirty="0"/>
+              <a:t>(led3, OUTPUT); </a:t>
+            </a:r>
+            <a:br>
+              <a:rPr lang="en-US" sz="7400" dirty="0"/>
+            </a:br>
+            <a:r>
+              <a:rPr lang="en-US" sz="7400" dirty="0"/>
+              <a:t>}</a:t>
+            </a:r>
+            <a:br>
+              <a:rPr lang="en-US" sz="4400" dirty="0"/>
+            </a:br>
+            <a:br>
+              <a:rPr lang="en-US" sz="4400" dirty="0"/>
+            </a:br>
+            <a:br>
+              <a:rPr lang="en-US" dirty="0"/>
+            </a:br>
+            <a:endParaRPr lang="en-US" dirty="0"/>
+          </a:p>
+        </p:txBody>
+      </p:sp>
+      <p:sp>
+        <p:nvSpPr>
+          <p:cNvPr id="4" name="Footer Placeholder 3">
+            <a:extLst>
+              <a:ext uri="{FF2B5EF4-FFF2-40B4-BE49-F238E27FC236}">
+                <a16:creationId xmlns:a16="http://schemas.microsoft.com/office/drawing/2014/main" id="{6554A1B5-3351-0C42-9B2F-39C54FF9E354}"/>
+              </a:ext>
+            </a:extLst>
+          </p:cNvPr>
+          <p:cNvSpPr>
+            <a:spLocks noGrp="1"/>
+          </p:cNvSpPr>
+          <p:nvPr>
+            <p:ph type="ftr" sz="quarter" idx="11"/>
+          </p:nvPr>
+        </p:nvSpPr>
+        <p:spPr/>
+        <p:txBody>
+          <a:bodyPr/>
+          <a:lstStyle/>
+          <a:p>
+            <a:r>
+              <a:rPr lang="en-US"/>
+              <a:t>Add a footer</a:t>
+            </a:r>
+            <a:endParaRPr lang="en-US" dirty="0"/>
+          </a:p>
+        </p:txBody>
+      </p:sp>
+    </p:spTree>
+    <p:extLst>
+      <p:ext uri="{BB962C8B-B14F-4D97-AF65-F5344CB8AC3E}">
+        <p14:creationId xmlns:p14="http://schemas.microsoft.com/office/powerpoint/2010/main" val="2920129272"/>
       </p:ext>
     </p:extLst>
   </p:cSld>
